--- a/presentations/Session_9_Containers.pptx
+++ b/presentations/Session_9_Containers.pptx
@@ -11397,36 +11397,6 @@
           </p:txBody>
         </p:sp>
       </p:grpSp>
-      <p:pic>
-        <p:nvPicPr>
-          <p:cNvPr id="12" name="Picture 11" descr="att_logo.png"/>
-          <p:cNvPicPr>
-            <a:picLocks noChangeAspect="1"/>
-          </p:cNvPicPr>
-          <p:nvPr/>
-        </p:nvPicPr>
-        <p:blipFill>
-          <a:blip r:embed="rId6">
-            <a:extLst>
-              <a:ext uri="{28A0092B-C50C-407E-A947-70E740481C1C}">
-                <a14:useLocalDpi xmlns:a14="http://schemas.microsoft.com/office/drawing/2010/main" val="0"/>
-              </a:ext>
-            </a:extLst>
-          </a:blip>
-          <a:stretch>
-            <a:fillRect/>
-          </a:stretch>
-        </p:blipFill>
-        <p:spPr>
-          <a:xfrm>
-            <a:off x="8027486" y="104943"/>
-            <a:ext cx="986117" cy="977900"/>
-          </a:xfrm>
-          <a:prstGeom prst="rect">
-            <a:avLst/>
-          </a:prstGeom>
-        </p:spPr>
-      </p:pic>
     </p:spTree>
     <p:extLst>
       <p:ext uri="{BB962C8B-B14F-4D97-AF65-F5344CB8AC3E}">
